--- a/chapter06/图片/pic.pptx
+++ b/chapter06/图片/pic.pptx
@@ -5,7 +5,7 @@
     <p:sldMasterId id="2147483648" r:id="rId1"/>
   </p:sldMasterIdLst>
   <p:notesMasterIdLst>
-    <p:notesMasterId r:id="rId12"/>
+    <p:notesMasterId r:id="rId13"/>
   </p:notesMasterIdLst>
   <p:sldIdLst>
     <p:sldId id="256" r:id="rId2"/>
@@ -18,6 +18,7 @@
     <p:sldId id="263" r:id="rId9"/>
     <p:sldId id="264" r:id="rId10"/>
     <p:sldId id="265" r:id="rId11"/>
+    <p:sldId id="266" r:id="rId12"/>
   </p:sldIdLst>
   <p:sldSz cx="9144000" cy="6858000" type="screen4x3"/>
   <p:notesSz cx="6858000" cy="9144000"/>
@@ -201,7 +202,7 @@
           <a:p>
             <a:fld id="{F62AD8C3-ECB9-434C-A665-161F494723F9}" type="datetimeFigureOut">
               <a:rPr lang="zh-CN" altLang="en-US" smtClean="0"/>
-              <a:t>2020/2/20</a:t>
+              <a:t>2020/3/30</a:t>
             </a:fld>
             <a:endParaRPr lang="zh-CN" altLang="en-US"/>
           </a:p>
@@ -734,7 +735,7 @@
           <a:p>
             <a:fld id="{530820CF-B880-4189-942D-D702A7CBA730}" type="datetimeFigureOut">
               <a:rPr lang="zh-CN" altLang="en-US" smtClean="0"/>
-              <a:t>2020/2/20</a:t>
+              <a:t>2020/3/30</a:t>
             </a:fld>
             <a:endParaRPr lang="zh-CN" altLang="en-US"/>
           </a:p>
@@ -899,7 +900,7 @@
           <a:p>
             <a:fld id="{530820CF-B880-4189-942D-D702A7CBA730}" type="datetimeFigureOut">
               <a:rPr lang="zh-CN" altLang="en-US" smtClean="0"/>
-              <a:t>2020/2/20</a:t>
+              <a:t>2020/3/30</a:t>
             </a:fld>
             <a:endParaRPr lang="zh-CN" altLang="en-US"/>
           </a:p>
@@ -1074,7 +1075,7 @@
           <a:p>
             <a:fld id="{530820CF-B880-4189-942D-D702A7CBA730}" type="datetimeFigureOut">
               <a:rPr lang="zh-CN" altLang="en-US" smtClean="0"/>
-              <a:t>2020/2/20</a:t>
+              <a:t>2020/3/30</a:t>
             </a:fld>
             <a:endParaRPr lang="zh-CN" altLang="en-US"/>
           </a:p>
@@ -1239,7 +1240,7 @@
           <a:p>
             <a:fld id="{530820CF-B880-4189-942D-D702A7CBA730}" type="datetimeFigureOut">
               <a:rPr lang="zh-CN" altLang="en-US" smtClean="0"/>
-              <a:t>2020/2/20</a:t>
+              <a:t>2020/3/30</a:t>
             </a:fld>
             <a:endParaRPr lang="zh-CN" altLang="en-US"/>
           </a:p>
@@ -1480,7 +1481,7 @@
           <a:p>
             <a:fld id="{530820CF-B880-4189-942D-D702A7CBA730}" type="datetimeFigureOut">
               <a:rPr lang="zh-CN" altLang="en-US" smtClean="0"/>
-              <a:t>2020/2/20</a:t>
+              <a:t>2020/3/30</a:t>
             </a:fld>
             <a:endParaRPr lang="zh-CN" altLang="en-US"/>
           </a:p>
@@ -1763,7 +1764,7 @@
           <a:p>
             <a:fld id="{530820CF-B880-4189-942D-D702A7CBA730}" type="datetimeFigureOut">
               <a:rPr lang="zh-CN" altLang="en-US" smtClean="0"/>
-              <a:t>2020/2/20</a:t>
+              <a:t>2020/3/30</a:t>
             </a:fld>
             <a:endParaRPr lang="zh-CN" altLang="en-US"/>
           </a:p>
@@ -2180,7 +2181,7 @@
           <a:p>
             <a:fld id="{530820CF-B880-4189-942D-D702A7CBA730}" type="datetimeFigureOut">
               <a:rPr lang="zh-CN" altLang="en-US" smtClean="0"/>
-              <a:t>2020/2/20</a:t>
+              <a:t>2020/3/30</a:t>
             </a:fld>
             <a:endParaRPr lang="zh-CN" altLang="en-US"/>
           </a:p>
@@ -2293,7 +2294,7 @@
           <a:p>
             <a:fld id="{530820CF-B880-4189-942D-D702A7CBA730}" type="datetimeFigureOut">
               <a:rPr lang="zh-CN" altLang="en-US" smtClean="0"/>
-              <a:t>2020/2/20</a:t>
+              <a:t>2020/3/30</a:t>
             </a:fld>
             <a:endParaRPr lang="zh-CN" altLang="en-US"/>
           </a:p>
@@ -2383,7 +2384,7 @@
           <a:p>
             <a:fld id="{530820CF-B880-4189-942D-D702A7CBA730}" type="datetimeFigureOut">
               <a:rPr lang="zh-CN" altLang="en-US" smtClean="0"/>
-              <a:t>2020/2/20</a:t>
+              <a:t>2020/3/30</a:t>
             </a:fld>
             <a:endParaRPr lang="zh-CN" altLang="en-US"/>
           </a:p>
@@ -2655,7 +2656,7 @@
           <a:p>
             <a:fld id="{530820CF-B880-4189-942D-D702A7CBA730}" type="datetimeFigureOut">
               <a:rPr lang="zh-CN" altLang="en-US" smtClean="0"/>
-              <a:t>2020/2/20</a:t>
+              <a:t>2020/3/30</a:t>
             </a:fld>
             <a:endParaRPr lang="zh-CN" altLang="en-US"/>
           </a:p>
@@ -2903,7 +2904,7 @@
           <a:p>
             <a:fld id="{530820CF-B880-4189-942D-D702A7CBA730}" type="datetimeFigureOut">
               <a:rPr lang="zh-CN" altLang="en-US" smtClean="0"/>
-              <a:t>2020/2/20</a:t>
+              <a:t>2020/3/30</a:t>
             </a:fld>
             <a:endParaRPr lang="zh-CN" altLang="en-US"/>
           </a:p>
@@ -3111,7 +3112,7 @@
           <a:p>
             <a:fld id="{530820CF-B880-4189-942D-D702A7CBA730}" type="datetimeFigureOut">
               <a:rPr lang="zh-CN" altLang="en-US" smtClean="0"/>
-              <a:t>2020/2/20</a:t>
+              <a:t>2020/3/30</a:t>
             </a:fld>
             <a:endParaRPr lang="zh-CN" altLang="en-US"/>
           </a:p>
@@ -3722,6 +3723,306 @@
 </p:sld>
 </file>
 
+<file path=ppt/slides/slide11.xml><?xml version="1.0" encoding="utf-8"?>
+<p:sld xmlns:a="http://schemas.openxmlformats.org/drawingml/2006/main" xmlns:r="http://schemas.openxmlformats.org/officeDocument/2006/relationships" xmlns:p="http://schemas.openxmlformats.org/presentationml/2006/main">
+  <p:cSld>
+    <p:spTree>
+      <p:nvGrpSpPr>
+        <p:cNvPr id="1" name=""/>
+        <p:cNvGrpSpPr/>
+        <p:nvPr/>
+      </p:nvGrpSpPr>
+      <p:grpSpPr>
+        <a:xfrm>
+          <a:off x="0" y="0"/>
+          <a:ext cx="0" cy="0"/>
+          <a:chOff x="0" y="0"/>
+          <a:chExt cx="0" cy="0"/>
+        </a:xfrm>
+      </p:grpSpPr>
+      <p:sp>
+        <p:nvSpPr>
+          <p:cNvPr id="5" name="右箭头 4"/>
+          <p:cNvSpPr/>
+          <p:nvPr/>
+        </p:nvSpPr>
+        <p:spPr>
+          <a:xfrm>
+            <a:off x="3499884" y="1412776"/>
+            <a:ext cx="648072" cy="792088"/>
+          </a:xfrm>
+          <a:prstGeom prst="rightArrow">
+            <a:avLst/>
+          </a:prstGeom>
+          <a:ln>
+            <a:solidFill>
+              <a:schemeClr val="bg1"/>
+            </a:solidFill>
+          </a:ln>
+        </p:spPr>
+        <p:style>
+          <a:lnRef idx="2">
+            <a:schemeClr val="accent1">
+              <a:shade val="50000"/>
+            </a:schemeClr>
+          </a:lnRef>
+          <a:fillRef idx="1">
+            <a:schemeClr val="accent1"/>
+          </a:fillRef>
+          <a:effectRef idx="0">
+            <a:schemeClr val="accent1"/>
+          </a:effectRef>
+          <a:fontRef idx="minor">
+            <a:schemeClr val="lt1"/>
+          </a:fontRef>
+        </p:style>
+        <p:txBody>
+          <a:bodyPr rtlCol="0" anchor="ctr"/>
+          <a:lstStyle/>
+          <a:p>
+            <a:pPr algn="ctr"/>
+            <a:endParaRPr lang="zh-CN" altLang="en-US"/>
+          </a:p>
+        </p:txBody>
+      </p:sp>
+      <p:pic>
+        <p:nvPicPr>
+          <p:cNvPr id="4098" name="Picture 2" descr="D:\桌面\mybook\chapter06\图片\6.24.png"/>
+          <p:cNvPicPr>
+            <a:picLocks noChangeAspect="1" noChangeArrowheads="1"/>
+          </p:cNvPicPr>
+          <p:nvPr/>
+        </p:nvPicPr>
+        <p:blipFill>
+          <a:blip r:embed="rId3">
+            <a:extLst>
+              <a:ext uri="{28A0092B-C50C-407E-A947-70E740481C1C}">
+                <a14:useLocalDpi xmlns:a14="http://schemas.microsoft.com/office/drawing/2010/main" val="0"/>
+              </a:ext>
+            </a:extLst>
+          </a:blip>
+          <a:srcRect/>
+          <a:stretch>
+            <a:fillRect/>
+          </a:stretch>
+        </p:blipFill>
+        <p:spPr bwMode="auto">
+          <a:xfrm>
+            <a:off x="3415" y="737847"/>
+            <a:ext cx="3488465" cy="2369234"/>
+          </a:xfrm>
+          <a:prstGeom prst="rect">
+            <a:avLst/>
+          </a:prstGeom>
+          <a:noFill/>
+          <a:extLst>
+            <a:ext uri="{909E8E84-426E-40DD-AFC4-6F175D3DCCD1}">
+              <a14:hiddenFill xmlns:a14="http://schemas.microsoft.com/office/drawing/2010/main">
+                <a:solidFill>
+                  <a:srgbClr val="FFFFFF"/>
+                </a:solidFill>
+              </a14:hiddenFill>
+            </a:ext>
+          </a:extLst>
+        </p:spPr>
+      </p:pic>
+      <p:graphicFrame>
+        <p:nvGraphicFramePr>
+          <p:cNvPr id="2" name="对象 1"/>
+          <p:cNvGraphicFramePr>
+            <a:graphicFrameLocks noChangeAspect="1"/>
+          </p:cNvGraphicFramePr>
+          <p:nvPr>
+            <p:extLst>
+              <p:ext uri="{D42A27DB-BD31-4B8C-83A1-F6EECF244321}">
+                <p14:modId xmlns:p14="http://schemas.microsoft.com/office/powerpoint/2010/main" val="323167573"/>
+              </p:ext>
+            </p:extLst>
+          </p:nvPr>
+        </p:nvGraphicFramePr>
+        <p:xfrm>
+          <a:off x="47135" y="3212976"/>
+          <a:ext cx="3742821" cy="551574"/>
+        </p:xfrm>
+        <a:graphic>
+          <a:graphicData uri="http://schemas.openxmlformats.org/presentationml/2006/ole">
+            <mc:AlternateContent xmlns:mc="http://schemas.openxmlformats.org/markup-compatibility/2006">
+              <mc:Choice xmlns:v="urn:schemas-microsoft-com:vml" Requires="v">
+                <p:oleObj spid="_x0000_s4103" name="Equation" r:id="rId4" imgW="1206360" imgH="177480" progId="Equation.DSMT4">
+                  <p:embed/>
+                </p:oleObj>
+              </mc:Choice>
+              <mc:Fallback>
+                <p:oleObj name="Equation" r:id="rId4" imgW="1206360" imgH="177480" progId="Equation.DSMT4">
+                  <p:embed/>
+                  <p:pic>
+                    <p:nvPicPr>
+                      <p:cNvPr id="0" name=""/>
+                      <p:cNvPicPr/>
+                      <p:nvPr/>
+                    </p:nvPicPr>
+                    <p:blipFill>
+                      <a:blip r:embed="rId5"/>
+                      <a:stretch>
+                        <a:fillRect/>
+                      </a:stretch>
+                    </p:blipFill>
+                    <p:spPr>
+                      <a:xfrm>
+                        <a:off x="47135" y="3212976"/>
+                        <a:ext cx="3742821" cy="551574"/>
+                      </a:xfrm>
+                      <a:prstGeom prst="rect">
+                        <a:avLst/>
+                      </a:prstGeom>
+                    </p:spPr>
+                  </p:pic>
+                </p:oleObj>
+              </mc:Fallback>
+            </mc:AlternateContent>
+          </a:graphicData>
+        </a:graphic>
+      </p:graphicFrame>
+      <p:sp>
+        <p:nvSpPr>
+          <p:cNvPr id="3" name="矩形 2"/>
+          <p:cNvSpPr/>
+          <p:nvPr/>
+        </p:nvSpPr>
+        <p:spPr>
+          <a:xfrm>
+            <a:off x="4147956" y="1268760"/>
+            <a:ext cx="5526360" cy="1569660"/>
+          </a:xfrm>
+          <a:prstGeom prst="rect">
+            <a:avLst/>
+          </a:prstGeom>
+        </p:spPr>
+        <p:txBody>
+          <a:bodyPr wrap="square">
+            <a:spAutoFit/>
+          </a:bodyPr>
+          <a:lstStyle/>
+          <a:p>
+            <a:r>
+              <a:rPr lang="en-US" altLang="zh-CN" sz="3200" dirty="0"/>
+              <a:t>[0.1102622 , 0.11184365, 0.05835576, ..., 0.18624887, </a:t>
+            </a:r>
+            <a:r>
+              <a:rPr lang="en-US" altLang="zh-CN" sz="3200" dirty="0" smtClean="0"/>
+              <a:t>0.20853586, 0.20853586</a:t>
+            </a:r>
+            <a:r>
+              <a:rPr lang="en-US" altLang="zh-CN" sz="3200" dirty="0"/>
+              <a:t>]</a:t>
+            </a:r>
+            <a:endParaRPr lang="zh-CN" altLang="en-US" sz="3200" dirty="0"/>
+          </a:p>
+        </p:txBody>
+      </p:sp>
+      <p:graphicFrame>
+        <p:nvGraphicFramePr>
+          <p:cNvPr id="6" name="对象 5"/>
+          <p:cNvGraphicFramePr>
+            <a:graphicFrameLocks noChangeAspect="1"/>
+          </p:cNvGraphicFramePr>
+          <p:nvPr>
+            <p:extLst>
+              <p:ext uri="{D42A27DB-BD31-4B8C-83A1-F6EECF244321}">
+                <p14:modId xmlns:p14="http://schemas.microsoft.com/office/powerpoint/2010/main" val="2293976464"/>
+              </p:ext>
+            </p:extLst>
+          </p:nvPr>
+        </p:nvGraphicFramePr>
+        <p:xfrm>
+          <a:off x="5796136" y="3212976"/>
+          <a:ext cx="1497012" cy="550862"/>
+        </p:xfrm>
+        <a:graphic>
+          <a:graphicData uri="http://schemas.openxmlformats.org/presentationml/2006/ole">
+            <mc:AlternateContent xmlns:mc="http://schemas.openxmlformats.org/markup-compatibility/2006">
+              <mc:Choice xmlns:v="urn:schemas-microsoft-com:vml" Requires="v">
+                <p:oleObj spid="_x0000_s4104" name="Equation" r:id="rId6" imgW="482400" imgH="177480" progId="Equation.DSMT4">
+                  <p:embed/>
+                </p:oleObj>
+              </mc:Choice>
+              <mc:Fallback>
+                <p:oleObj name="Equation" r:id="rId6" imgW="482400" imgH="177480" progId="Equation.DSMT4">
+                  <p:embed/>
+                  <p:pic>
+                    <p:nvPicPr>
+                      <p:cNvPr id="0" name="对象 1"/>
+                      <p:cNvPicPr>
+                        <a:picLocks noChangeAspect="1" noChangeArrowheads="1"/>
+                      </p:cNvPicPr>
+                      <p:nvPr/>
+                    </p:nvPicPr>
+                    <p:blipFill>
+                      <a:blip r:embed="rId7"/>
+                      <a:srcRect/>
+                      <a:stretch>
+                        <a:fillRect/>
+                      </a:stretch>
+                    </p:blipFill>
+                    <p:spPr bwMode="auto">
+                      <a:xfrm>
+                        <a:off x="5796136" y="3212976"/>
+                        <a:ext cx="1497012" cy="550862"/>
+                      </a:xfrm>
+                      <a:prstGeom prst="rect">
+                        <a:avLst/>
+                      </a:prstGeom>
+                      <a:noFill/>
+                      <a:ln>
+                        <a:noFill/>
+                      </a:ln>
+                      <a:extLst>
+                        <a:ext uri="{909E8E84-426E-40DD-AFC4-6F175D3DCCD1}">
+                          <a14:hiddenFill xmlns:a14="http://schemas.microsoft.com/office/drawing/2010/main">
+                            <a:solidFill>
+                              <a:srgbClr val="FFFFFF"/>
+                            </a:solidFill>
+                          </a14:hiddenFill>
+                        </a:ext>
+                        <a:ext uri="{91240B29-F687-4F45-9708-019B960494DF}">
+                          <a14:hiddenLine xmlns:a14="http://schemas.microsoft.com/office/drawing/2010/main" w="9525">
+                            <a:solidFill>
+                              <a:srgbClr val="000000"/>
+                            </a:solidFill>
+                            <a:miter lim="800000"/>
+                            <a:headEnd/>
+                            <a:tailEnd/>
+                          </a14:hiddenLine>
+                        </a:ext>
+                      </a:extLst>
+                    </p:spPr>
+                  </p:pic>
+                </p:oleObj>
+              </mc:Fallback>
+            </mc:AlternateContent>
+          </a:graphicData>
+        </a:graphic>
+      </p:graphicFrame>
+    </p:spTree>
+    <p:extLst>
+      <p:ext uri="{BB962C8B-B14F-4D97-AF65-F5344CB8AC3E}">
+        <p14:creationId xmlns:p14="http://schemas.microsoft.com/office/powerpoint/2010/main" val="585885163"/>
+      </p:ext>
+    </p:extLst>
+  </p:cSld>
+  <p:clrMapOvr>
+    <a:masterClrMapping/>
+  </p:clrMapOvr>
+  <p:timing>
+    <p:tnLst>
+      <p:par>
+        <p:cTn id="1" dur="indefinite" restart="never" nodeType="tmRoot"/>
+      </p:par>
+    </p:tnLst>
+  </p:timing>
+</p:sld>
+</file>
+
 <file path=ppt/slides/slide2.xml><?xml version="1.0" encoding="utf-8"?>
 <p:sld xmlns:a="http://schemas.openxmlformats.org/drawingml/2006/main" xmlns:r="http://schemas.openxmlformats.org/officeDocument/2006/relationships" xmlns:p="http://schemas.openxmlformats.org/presentationml/2006/main">
   <p:cSld>
@@ -4852,7 +5153,7 @@
           <a:graphicData uri="http://schemas.openxmlformats.org/presentationml/2006/ole">
             <mc:AlternateContent xmlns:mc="http://schemas.openxmlformats.org/markup-compatibility/2006">
               <mc:Choice xmlns:v="urn:schemas-microsoft-com:vml" Requires="v">
-                <p:oleObj spid="_x0000_s1066" name="Equation" r:id="rId3" imgW="1650960" imgH="711000" progId="Equation.DSMT4">
+                <p:oleObj spid="_x0000_s1074" name="Equation" r:id="rId3" imgW="1650960" imgH="711000" progId="Equation.DSMT4">
                   <p:embed/>
                 </p:oleObj>
               </mc:Choice>
@@ -4913,7 +5214,7 @@
           <a:graphicData uri="http://schemas.openxmlformats.org/presentationml/2006/ole">
             <mc:AlternateContent xmlns:mc="http://schemas.openxmlformats.org/markup-compatibility/2006">
               <mc:Choice xmlns:v="urn:schemas-microsoft-com:vml" Requires="v">
-                <p:oleObj spid="_x0000_s1067" name="Equation" r:id="rId5" imgW="927000" imgH="711000" progId="Equation.DSMT4">
+                <p:oleObj spid="_x0000_s1075" name="Equation" r:id="rId5" imgW="927000" imgH="711000" progId="Equation.DSMT4">
                   <p:embed/>
                 </p:oleObj>
               </mc:Choice>
@@ -4977,7 +5278,7 @@
           <a:graphicData uri="http://schemas.openxmlformats.org/presentationml/2006/ole">
             <mc:AlternateContent xmlns:mc="http://schemas.openxmlformats.org/markup-compatibility/2006">
               <mc:Choice xmlns:v="urn:schemas-microsoft-com:vml" Requires="v">
-                <p:oleObj spid="_x0000_s1068" name="Equation" r:id="rId7" imgW="863280" imgH="711000" progId="Equation.DSMT4">
+                <p:oleObj spid="_x0000_s1076" name="Equation" r:id="rId7" imgW="863280" imgH="711000" progId="Equation.DSMT4">
                   <p:embed/>
                 </p:oleObj>
               </mc:Choice>
@@ -5060,7 +5361,7 @@
           <a:graphicData uri="http://schemas.openxmlformats.org/presentationml/2006/ole">
             <mc:AlternateContent xmlns:mc="http://schemas.openxmlformats.org/markup-compatibility/2006">
               <mc:Choice xmlns:v="urn:schemas-microsoft-com:vml" Requires="v">
-                <p:oleObj spid="_x0000_s1069" name="Equation" r:id="rId9" imgW="927000" imgH="711000" progId="Equation.DSMT4">
+                <p:oleObj spid="_x0000_s1077" name="Equation" r:id="rId9" imgW="927000" imgH="711000" progId="Equation.DSMT4">
                   <p:embed/>
                 </p:oleObj>
               </mc:Choice>
@@ -5892,7 +6193,7 @@
           <a:graphicData uri="http://schemas.openxmlformats.org/presentationml/2006/ole">
             <mc:AlternateContent xmlns:mc="http://schemas.openxmlformats.org/markup-compatibility/2006">
               <mc:Choice xmlns:v="urn:schemas-microsoft-com:vml" Requires="v">
-                <p:oleObj spid="_x0000_s2114" name="Equation" r:id="rId3" imgW="203040" imgH="228600" progId="Equation.DSMT4">
+                <p:oleObj spid="_x0000_s2128" name="Equation" r:id="rId3" imgW="203040" imgH="228600" progId="Equation.DSMT4">
                   <p:embed/>
                 </p:oleObj>
               </mc:Choice>
@@ -5975,7 +6276,7 @@
           <a:graphicData uri="http://schemas.openxmlformats.org/presentationml/2006/ole">
             <mc:AlternateContent xmlns:mc="http://schemas.openxmlformats.org/markup-compatibility/2006">
               <mc:Choice xmlns:v="urn:schemas-microsoft-com:vml" Requires="v">
-                <p:oleObj spid="_x0000_s2115" name="Equation" r:id="rId5" imgW="190440" imgH="228600" progId="Equation.DSMT4">
+                <p:oleObj spid="_x0000_s2129" name="Equation" r:id="rId5" imgW="190440" imgH="228600" progId="Equation.DSMT4">
                   <p:embed/>
                 </p:oleObj>
               </mc:Choice>
@@ -6058,7 +6359,7 @@
           <a:graphicData uri="http://schemas.openxmlformats.org/presentationml/2006/ole">
             <mc:AlternateContent xmlns:mc="http://schemas.openxmlformats.org/markup-compatibility/2006">
               <mc:Choice xmlns:v="urn:schemas-microsoft-com:vml" Requires="v">
-                <p:oleObj spid="_x0000_s2116" name="Equation" r:id="rId7" imgW="190440" imgH="228600" progId="Equation.DSMT4">
+                <p:oleObj spid="_x0000_s2130" name="Equation" r:id="rId7" imgW="190440" imgH="228600" progId="Equation.DSMT4">
                   <p:embed/>
                 </p:oleObj>
               </mc:Choice>
@@ -6141,7 +6442,7 @@
           <a:graphicData uri="http://schemas.openxmlformats.org/presentationml/2006/ole">
             <mc:AlternateContent xmlns:mc="http://schemas.openxmlformats.org/markup-compatibility/2006">
               <mc:Choice xmlns:v="urn:schemas-microsoft-com:vml" Requires="v">
-                <p:oleObj spid="_x0000_s2117" name="Equation" r:id="rId9" imgW="190440" imgH="228600" progId="Equation.DSMT4">
+                <p:oleObj spid="_x0000_s2131" name="Equation" r:id="rId9" imgW="190440" imgH="228600" progId="Equation.DSMT4">
                   <p:embed/>
                 </p:oleObj>
               </mc:Choice>
@@ -6224,7 +6525,7 @@
           <a:graphicData uri="http://schemas.openxmlformats.org/presentationml/2006/ole">
             <mc:AlternateContent xmlns:mc="http://schemas.openxmlformats.org/markup-compatibility/2006">
               <mc:Choice xmlns:v="urn:schemas-microsoft-com:vml" Requires="v">
-                <p:oleObj spid="_x0000_s2118" name="Equation" r:id="rId11" imgW="520560" imgH="253800" progId="Equation.DSMT4">
+                <p:oleObj spid="_x0000_s2132" name="Equation" r:id="rId11" imgW="520560" imgH="253800" progId="Equation.DSMT4">
                   <p:embed/>
                 </p:oleObj>
               </mc:Choice>
@@ -6403,7 +6704,7 @@
           <a:graphicData uri="http://schemas.openxmlformats.org/presentationml/2006/ole">
             <mc:AlternateContent xmlns:mc="http://schemas.openxmlformats.org/markup-compatibility/2006">
               <mc:Choice xmlns:v="urn:schemas-microsoft-com:vml" Requires="v">
-                <p:oleObj spid="_x0000_s2119" name="Equation" r:id="rId13" imgW="203040" imgH="177480" progId="Equation.DSMT4">
+                <p:oleObj spid="_x0000_s2133" name="Equation" r:id="rId13" imgW="203040" imgH="177480" progId="Equation.DSMT4">
                   <p:embed/>
                 </p:oleObj>
               </mc:Choice>
@@ -6486,7 +6787,7 @@
           <a:graphicData uri="http://schemas.openxmlformats.org/presentationml/2006/ole">
             <mc:AlternateContent xmlns:mc="http://schemas.openxmlformats.org/markup-compatibility/2006">
               <mc:Choice xmlns:v="urn:schemas-microsoft-com:vml" Requires="v">
-                <p:oleObj spid="_x0000_s2120" name="Equation" r:id="rId15" imgW="215640" imgH="177480" progId="Equation.DSMT4">
+                <p:oleObj spid="_x0000_s2134" name="Equation" r:id="rId15" imgW="215640" imgH="177480" progId="Equation.DSMT4">
                   <p:embed/>
                 </p:oleObj>
               </mc:Choice>
@@ -8204,7 +8505,7 @@
           <a:graphicData uri="http://schemas.openxmlformats.org/presentationml/2006/ole">
             <mc:AlternateContent xmlns:mc="http://schemas.openxmlformats.org/markup-compatibility/2006">
               <mc:Choice xmlns:v="urn:schemas-microsoft-com:vml" Requires="v">
-                <p:oleObj spid="_x0000_s3078" name="Equation" r:id="rId3" imgW="622080" imgH="253800" progId="Equation.DSMT4">
+                <p:oleObj spid="_x0000_s3080" name="Equation" r:id="rId3" imgW="622080" imgH="253800" progId="Equation.DSMT4">
                   <p:embed/>
                 </p:oleObj>
               </mc:Choice>

--- a/chapter06/图片/pic.pptx
+++ b/chapter06/图片/pic.pptx
@@ -5,7 +5,7 @@
     <p:sldMasterId id="2147483648" r:id="rId1"/>
   </p:sldMasterIdLst>
   <p:notesMasterIdLst>
-    <p:notesMasterId r:id="rId13"/>
+    <p:notesMasterId r:id="rId14"/>
   </p:notesMasterIdLst>
   <p:sldIdLst>
     <p:sldId id="256" r:id="rId2"/>
@@ -19,6 +19,7 @@
     <p:sldId id="264" r:id="rId10"/>
     <p:sldId id="265" r:id="rId11"/>
     <p:sldId id="266" r:id="rId12"/>
+    <p:sldId id="267" r:id="rId13"/>
   </p:sldIdLst>
   <p:sldSz cx="9144000" cy="6858000" type="screen4x3"/>
   <p:notesSz cx="6858000" cy="9144000"/>
@@ -202,7 +203,7 @@
           <a:p>
             <a:fld id="{F62AD8C3-ECB9-434C-A665-161F494723F9}" type="datetimeFigureOut">
               <a:rPr lang="zh-CN" altLang="en-US" smtClean="0"/>
-              <a:t>2020/3/30</a:t>
+              <a:t>2020/6/17</a:t>
             </a:fld>
             <a:endParaRPr lang="zh-CN" altLang="en-US"/>
           </a:p>
@@ -735,7 +736,7 @@
           <a:p>
             <a:fld id="{530820CF-B880-4189-942D-D702A7CBA730}" type="datetimeFigureOut">
               <a:rPr lang="zh-CN" altLang="en-US" smtClean="0"/>
-              <a:t>2020/3/30</a:t>
+              <a:t>2020/6/17</a:t>
             </a:fld>
             <a:endParaRPr lang="zh-CN" altLang="en-US"/>
           </a:p>
@@ -900,7 +901,7 @@
           <a:p>
             <a:fld id="{530820CF-B880-4189-942D-D702A7CBA730}" type="datetimeFigureOut">
               <a:rPr lang="zh-CN" altLang="en-US" smtClean="0"/>
-              <a:t>2020/3/30</a:t>
+              <a:t>2020/6/17</a:t>
             </a:fld>
             <a:endParaRPr lang="zh-CN" altLang="en-US"/>
           </a:p>
@@ -1075,7 +1076,7 @@
           <a:p>
             <a:fld id="{530820CF-B880-4189-942D-D702A7CBA730}" type="datetimeFigureOut">
               <a:rPr lang="zh-CN" altLang="en-US" smtClean="0"/>
-              <a:t>2020/3/30</a:t>
+              <a:t>2020/6/17</a:t>
             </a:fld>
             <a:endParaRPr lang="zh-CN" altLang="en-US"/>
           </a:p>
@@ -1240,7 +1241,7 @@
           <a:p>
             <a:fld id="{530820CF-B880-4189-942D-D702A7CBA730}" type="datetimeFigureOut">
               <a:rPr lang="zh-CN" altLang="en-US" smtClean="0"/>
-              <a:t>2020/3/30</a:t>
+              <a:t>2020/6/17</a:t>
             </a:fld>
             <a:endParaRPr lang="zh-CN" altLang="en-US"/>
           </a:p>
@@ -1481,7 +1482,7 @@
           <a:p>
             <a:fld id="{530820CF-B880-4189-942D-D702A7CBA730}" type="datetimeFigureOut">
               <a:rPr lang="zh-CN" altLang="en-US" smtClean="0"/>
-              <a:t>2020/3/30</a:t>
+              <a:t>2020/6/17</a:t>
             </a:fld>
             <a:endParaRPr lang="zh-CN" altLang="en-US"/>
           </a:p>
@@ -1764,7 +1765,7 @@
           <a:p>
             <a:fld id="{530820CF-B880-4189-942D-D702A7CBA730}" type="datetimeFigureOut">
               <a:rPr lang="zh-CN" altLang="en-US" smtClean="0"/>
-              <a:t>2020/3/30</a:t>
+              <a:t>2020/6/17</a:t>
             </a:fld>
             <a:endParaRPr lang="zh-CN" altLang="en-US"/>
           </a:p>
@@ -2181,7 +2182,7 @@
           <a:p>
             <a:fld id="{530820CF-B880-4189-942D-D702A7CBA730}" type="datetimeFigureOut">
               <a:rPr lang="zh-CN" altLang="en-US" smtClean="0"/>
-              <a:t>2020/3/30</a:t>
+              <a:t>2020/6/17</a:t>
             </a:fld>
             <a:endParaRPr lang="zh-CN" altLang="en-US"/>
           </a:p>
@@ -2294,7 +2295,7 @@
           <a:p>
             <a:fld id="{530820CF-B880-4189-942D-D702A7CBA730}" type="datetimeFigureOut">
               <a:rPr lang="zh-CN" altLang="en-US" smtClean="0"/>
-              <a:t>2020/3/30</a:t>
+              <a:t>2020/6/17</a:t>
             </a:fld>
             <a:endParaRPr lang="zh-CN" altLang="en-US"/>
           </a:p>
@@ -2384,7 +2385,7 @@
           <a:p>
             <a:fld id="{530820CF-B880-4189-942D-D702A7CBA730}" type="datetimeFigureOut">
               <a:rPr lang="zh-CN" altLang="en-US" smtClean="0"/>
-              <a:t>2020/3/30</a:t>
+              <a:t>2020/6/17</a:t>
             </a:fld>
             <a:endParaRPr lang="zh-CN" altLang="en-US"/>
           </a:p>
@@ -2656,7 +2657,7 @@
           <a:p>
             <a:fld id="{530820CF-B880-4189-942D-D702A7CBA730}" type="datetimeFigureOut">
               <a:rPr lang="zh-CN" altLang="en-US" smtClean="0"/>
-              <a:t>2020/3/30</a:t>
+              <a:t>2020/6/17</a:t>
             </a:fld>
             <a:endParaRPr lang="zh-CN" altLang="en-US"/>
           </a:p>
@@ -2904,7 +2905,7 @@
           <a:p>
             <a:fld id="{530820CF-B880-4189-942D-D702A7CBA730}" type="datetimeFigureOut">
               <a:rPr lang="zh-CN" altLang="en-US" smtClean="0"/>
-              <a:t>2020/3/30</a:t>
+              <a:t>2020/6/17</a:t>
             </a:fld>
             <a:endParaRPr lang="zh-CN" altLang="en-US"/>
           </a:p>
@@ -3112,7 +3113,7 @@
           <a:p>
             <a:fld id="{530820CF-B880-4189-942D-D702A7CBA730}" type="datetimeFigureOut">
               <a:rPr lang="zh-CN" altLang="en-US" smtClean="0"/>
-              <a:t>2020/3/30</a:t>
+              <a:t>2020/6/17</a:t>
             </a:fld>
             <a:endParaRPr lang="zh-CN" altLang="en-US"/>
           </a:p>
@@ -3848,7 +3849,7 @@
           <a:graphicData uri="http://schemas.openxmlformats.org/presentationml/2006/ole">
             <mc:AlternateContent xmlns:mc="http://schemas.openxmlformats.org/markup-compatibility/2006">
               <mc:Choice xmlns:v="urn:schemas-microsoft-com:vml" Requires="v">
-                <p:oleObj spid="_x0000_s4103" name="Equation" r:id="rId4" imgW="1206360" imgH="177480" progId="Equation.DSMT4">
+                <p:oleObj spid="_x0000_s4109" name="Equation" r:id="rId4" imgW="1206360" imgH="177480" progId="Equation.DSMT4">
                   <p:embed/>
                 </p:oleObj>
               </mc:Choice>
@@ -3942,7 +3943,7 @@
           <a:graphicData uri="http://schemas.openxmlformats.org/presentationml/2006/ole">
             <mc:AlternateContent xmlns:mc="http://schemas.openxmlformats.org/markup-compatibility/2006">
               <mc:Choice xmlns:v="urn:schemas-microsoft-com:vml" Requires="v">
-                <p:oleObj spid="_x0000_s4104" name="Equation" r:id="rId6" imgW="482400" imgH="177480" progId="Equation.DSMT4">
+                <p:oleObj spid="_x0000_s4110" name="Equation" r:id="rId6" imgW="482400" imgH="177480" progId="Equation.DSMT4">
                   <p:embed/>
                 </p:oleObj>
               </mc:Choice>
@@ -4007,6 +4008,492 @@
     <p:extLst>
       <p:ext uri="{BB962C8B-B14F-4D97-AF65-F5344CB8AC3E}">
         <p14:creationId xmlns:p14="http://schemas.microsoft.com/office/powerpoint/2010/main" val="585885163"/>
+      </p:ext>
+    </p:extLst>
+  </p:cSld>
+  <p:clrMapOvr>
+    <a:masterClrMapping/>
+  </p:clrMapOvr>
+  <p:timing>
+    <p:tnLst>
+      <p:par>
+        <p:cTn id="1" dur="indefinite" restart="never" nodeType="tmRoot"/>
+      </p:par>
+    </p:tnLst>
+  </p:timing>
+</p:sld>
+</file>
+
+<file path=ppt/slides/slide12.xml><?xml version="1.0" encoding="utf-8"?>
+<p:sld xmlns:a="http://schemas.openxmlformats.org/drawingml/2006/main" xmlns:r="http://schemas.openxmlformats.org/officeDocument/2006/relationships" xmlns:p="http://schemas.openxmlformats.org/presentationml/2006/main">
+  <p:cSld>
+    <p:spTree>
+      <p:nvGrpSpPr>
+        <p:cNvPr id="1" name=""/>
+        <p:cNvGrpSpPr/>
+        <p:nvPr/>
+      </p:nvGrpSpPr>
+      <p:grpSpPr>
+        <a:xfrm>
+          <a:off x="0" y="0"/>
+          <a:ext cx="0" cy="0"/>
+          <a:chOff x="0" y="0"/>
+          <a:chExt cx="0" cy="0"/>
+        </a:xfrm>
+      </p:grpSpPr>
+      <p:cxnSp>
+        <p:nvCxnSpPr>
+          <p:cNvPr id="7" name="直接箭头连接符 6"/>
+          <p:cNvCxnSpPr/>
+          <p:nvPr/>
+        </p:nvCxnSpPr>
+        <p:spPr>
+          <a:xfrm>
+            <a:off x="1835696" y="3429000"/>
+            <a:ext cx="5616624" cy="0"/>
+          </a:xfrm>
+          <a:prstGeom prst="straightConnector1">
+            <a:avLst/>
+          </a:prstGeom>
+          <a:ln w="19050">
+            <a:headEnd type="none" w="med" len="med"/>
+            <a:tailEnd type="triangle" w="med" len="med"/>
+          </a:ln>
+        </p:spPr>
+        <p:style>
+          <a:lnRef idx="1">
+            <a:schemeClr val="accent1"/>
+          </a:lnRef>
+          <a:fillRef idx="0">
+            <a:schemeClr val="accent1"/>
+          </a:fillRef>
+          <a:effectRef idx="0">
+            <a:schemeClr val="accent1"/>
+          </a:effectRef>
+          <a:fontRef idx="minor">
+            <a:schemeClr val="tx1"/>
+          </a:fontRef>
+        </p:style>
+      </p:cxnSp>
+      <p:cxnSp>
+        <p:nvCxnSpPr>
+          <p:cNvPr id="11" name="直接箭头连接符 10"/>
+          <p:cNvCxnSpPr/>
+          <p:nvPr/>
+        </p:nvCxnSpPr>
+        <p:spPr>
+          <a:xfrm flipV="1">
+            <a:off x="4528192" y="836712"/>
+            <a:ext cx="0" cy="4896544"/>
+          </a:xfrm>
+          <a:prstGeom prst="straightConnector1">
+            <a:avLst/>
+          </a:prstGeom>
+          <a:ln w="19050">
+            <a:headEnd type="none" w="med" len="med"/>
+            <a:tailEnd type="triangle" w="med" len="med"/>
+          </a:ln>
+        </p:spPr>
+        <p:style>
+          <a:lnRef idx="1">
+            <a:schemeClr val="accent1"/>
+          </a:lnRef>
+          <a:fillRef idx="0">
+            <a:schemeClr val="accent1"/>
+          </a:fillRef>
+          <a:effectRef idx="0">
+            <a:schemeClr val="accent1"/>
+          </a:effectRef>
+          <a:fontRef idx="minor">
+            <a:schemeClr val="tx1"/>
+          </a:fontRef>
+        </p:style>
+      </p:cxnSp>
+      <p:sp>
+        <p:nvSpPr>
+          <p:cNvPr id="12" name="椭圆 11"/>
+          <p:cNvSpPr/>
+          <p:nvPr/>
+        </p:nvSpPr>
+        <p:spPr>
+          <a:xfrm>
+            <a:off x="3160040" y="2060848"/>
+            <a:ext cx="2736304" cy="2736304"/>
+          </a:xfrm>
+          <a:prstGeom prst="ellipse">
+            <a:avLst/>
+          </a:prstGeom>
+          <a:noFill/>
+          <a:ln>
+            <a:solidFill>
+              <a:schemeClr val="tx1"/>
+            </a:solidFill>
+          </a:ln>
+        </p:spPr>
+        <p:style>
+          <a:lnRef idx="2">
+            <a:schemeClr val="accent1">
+              <a:shade val="50000"/>
+            </a:schemeClr>
+          </a:lnRef>
+          <a:fillRef idx="1">
+            <a:schemeClr val="accent1"/>
+          </a:fillRef>
+          <a:effectRef idx="0">
+            <a:schemeClr val="accent1"/>
+          </a:effectRef>
+          <a:fontRef idx="minor">
+            <a:schemeClr val="lt1"/>
+          </a:fontRef>
+        </p:style>
+        <p:txBody>
+          <a:bodyPr rtlCol="0" anchor="ctr"/>
+          <a:lstStyle/>
+          <a:p>
+            <a:pPr algn="ctr"/>
+            <a:endParaRPr lang="zh-CN" altLang="en-US"/>
+          </a:p>
+        </p:txBody>
+      </p:sp>
+      <p:cxnSp>
+        <p:nvCxnSpPr>
+          <p:cNvPr id="16" name="直接连接符 15"/>
+          <p:cNvCxnSpPr/>
+          <p:nvPr/>
+        </p:nvCxnSpPr>
+        <p:spPr>
+          <a:xfrm>
+            <a:off x="3800475" y="2281238"/>
+            <a:ext cx="1457325" cy="2303462"/>
+          </a:xfrm>
+          <a:prstGeom prst="line">
+            <a:avLst/>
+          </a:prstGeom>
+        </p:spPr>
+        <p:style>
+          <a:lnRef idx="1">
+            <a:schemeClr val="accent1"/>
+          </a:lnRef>
+          <a:fillRef idx="0">
+            <a:schemeClr val="accent1"/>
+          </a:fillRef>
+          <a:effectRef idx="0">
+            <a:schemeClr val="accent1"/>
+          </a:effectRef>
+          <a:fontRef idx="minor">
+            <a:schemeClr val="tx1"/>
+          </a:fontRef>
+        </p:style>
+      </p:cxnSp>
+      <p:cxnSp>
+        <p:nvCxnSpPr>
+          <p:cNvPr id="20" name="直接连接符 19"/>
+          <p:cNvCxnSpPr/>
+          <p:nvPr/>
+        </p:nvCxnSpPr>
+        <p:spPr>
+          <a:xfrm>
+            <a:off x="3405188" y="2676525"/>
+            <a:ext cx="2271712" cy="1492250"/>
+          </a:xfrm>
+          <a:prstGeom prst="line">
+            <a:avLst/>
+          </a:prstGeom>
+        </p:spPr>
+        <p:style>
+          <a:lnRef idx="1">
+            <a:schemeClr val="accent1"/>
+          </a:lnRef>
+          <a:fillRef idx="0">
+            <a:schemeClr val="accent1"/>
+          </a:fillRef>
+          <a:effectRef idx="0">
+            <a:schemeClr val="accent1"/>
+          </a:effectRef>
+          <a:fontRef idx="minor">
+            <a:schemeClr val="tx1"/>
+          </a:fontRef>
+        </p:style>
+      </p:cxnSp>
+      <p:cxnSp>
+        <p:nvCxnSpPr>
+          <p:cNvPr id="22" name="直接连接符 21"/>
+          <p:cNvCxnSpPr/>
+          <p:nvPr/>
+        </p:nvCxnSpPr>
+        <p:spPr>
+          <a:xfrm>
+            <a:off x="3178175" y="3209925"/>
+            <a:ext cx="2718169" cy="435099"/>
+          </a:xfrm>
+          <a:prstGeom prst="line">
+            <a:avLst/>
+          </a:prstGeom>
+        </p:spPr>
+        <p:style>
+          <a:lnRef idx="1">
+            <a:schemeClr val="accent1"/>
+          </a:lnRef>
+          <a:fillRef idx="0">
+            <a:schemeClr val="accent1"/>
+          </a:fillRef>
+          <a:effectRef idx="0">
+            <a:schemeClr val="accent1"/>
+          </a:effectRef>
+          <a:fontRef idx="minor">
+            <a:schemeClr val="tx1"/>
+          </a:fontRef>
+        </p:style>
+      </p:cxnSp>
+      <p:cxnSp>
+        <p:nvCxnSpPr>
+          <p:cNvPr id="30" name="直接连接符 29"/>
+          <p:cNvCxnSpPr/>
+          <p:nvPr/>
+        </p:nvCxnSpPr>
+        <p:spPr>
+          <a:xfrm flipH="1">
+            <a:off x="4286250" y="2085975"/>
+            <a:ext cx="495300" cy="2692400"/>
+          </a:xfrm>
+          <a:prstGeom prst="line">
+            <a:avLst/>
+          </a:prstGeom>
+        </p:spPr>
+        <p:style>
+          <a:lnRef idx="1">
+            <a:schemeClr val="accent1"/>
+          </a:lnRef>
+          <a:fillRef idx="0">
+            <a:schemeClr val="accent1"/>
+          </a:fillRef>
+          <a:effectRef idx="0">
+            <a:schemeClr val="accent1"/>
+          </a:effectRef>
+          <a:fontRef idx="minor">
+            <a:schemeClr val="tx1"/>
+          </a:fontRef>
+        </p:style>
+      </p:cxnSp>
+      <p:cxnSp>
+        <p:nvCxnSpPr>
+          <p:cNvPr id="36" name="直接连接符 35"/>
+          <p:cNvCxnSpPr/>
+          <p:nvPr/>
+        </p:nvCxnSpPr>
+        <p:spPr>
+          <a:xfrm flipH="1" flipV="1">
+            <a:off x="4288631" y="2088356"/>
+            <a:ext cx="499269" cy="2696370"/>
+          </a:xfrm>
+          <a:prstGeom prst="line">
+            <a:avLst/>
+          </a:prstGeom>
+        </p:spPr>
+        <p:style>
+          <a:lnRef idx="1">
+            <a:schemeClr val="accent1"/>
+          </a:lnRef>
+          <a:fillRef idx="0">
+            <a:schemeClr val="accent1"/>
+          </a:fillRef>
+          <a:effectRef idx="0">
+            <a:schemeClr val="accent1"/>
+          </a:effectRef>
+          <a:fontRef idx="minor">
+            <a:schemeClr val="tx1"/>
+          </a:fontRef>
+        </p:style>
+      </p:cxnSp>
+      <p:cxnSp>
+        <p:nvCxnSpPr>
+          <p:cNvPr id="45" name="直接连接符 44"/>
+          <p:cNvCxnSpPr/>
+          <p:nvPr/>
+        </p:nvCxnSpPr>
+        <p:spPr>
+          <a:xfrm flipH="1">
+            <a:off x="3746500" y="2319338"/>
+            <a:ext cx="1549400" cy="2252662"/>
+          </a:xfrm>
+          <a:prstGeom prst="line">
+            <a:avLst/>
+          </a:prstGeom>
+        </p:spPr>
+        <p:style>
+          <a:lnRef idx="1">
+            <a:schemeClr val="accent1"/>
+          </a:lnRef>
+          <a:fillRef idx="0">
+            <a:schemeClr val="accent1"/>
+          </a:fillRef>
+          <a:effectRef idx="0">
+            <a:schemeClr val="accent1"/>
+          </a:effectRef>
+          <a:fontRef idx="minor">
+            <a:schemeClr val="tx1"/>
+          </a:fontRef>
+        </p:style>
+      </p:cxnSp>
+      <p:cxnSp>
+        <p:nvCxnSpPr>
+          <p:cNvPr id="48" name="直接连接符 47"/>
+          <p:cNvCxnSpPr/>
+          <p:nvPr/>
+        </p:nvCxnSpPr>
+        <p:spPr>
+          <a:xfrm flipH="1">
+            <a:off x="3371850" y="2695575"/>
+            <a:ext cx="2300288" cy="1476375"/>
+          </a:xfrm>
+          <a:prstGeom prst="line">
+            <a:avLst/>
+          </a:prstGeom>
+        </p:spPr>
+        <p:style>
+          <a:lnRef idx="1">
+            <a:schemeClr val="accent1"/>
+          </a:lnRef>
+          <a:fillRef idx="0">
+            <a:schemeClr val="accent1"/>
+          </a:fillRef>
+          <a:effectRef idx="0">
+            <a:schemeClr val="accent1"/>
+          </a:effectRef>
+          <a:fontRef idx="minor">
+            <a:schemeClr val="tx1"/>
+          </a:fontRef>
+        </p:style>
+      </p:cxnSp>
+      <p:cxnSp>
+        <p:nvCxnSpPr>
+          <p:cNvPr id="52" name="直接连接符 51"/>
+          <p:cNvCxnSpPr/>
+          <p:nvPr/>
+        </p:nvCxnSpPr>
+        <p:spPr>
+          <a:xfrm flipH="1">
+            <a:off x="3168650" y="3212976"/>
+            <a:ext cx="2699494" cy="438274"/>
+          </a:xfrm>
+          <a:prstGeom prst="line">
+            <a:avLst/>
+          </a:prstGeom>
+        </p:spPr>
+        <p:style>
+          <a:lnRef idx="1">
+            <a:schemeClr val="accent1"/>
+          </a:lnRef>
+          <a:fillRef idx="0">
+            <a:schemeClr val="accent1"/>
+          </a:fillRef>
+          <a:effectRef idx="0">
+            <a:schemeClr val="accent1"/>
+          </a:effectRef>
+          <a:fontRef idx="minor">
+            <a:schemeClr val="tx1"/>
+          </a:fontRef>
+        </p:style>
+      </p:cxnSp>
+      <p:sp>
+        <p:nvSpPr>
+          <p:cNvPr id="4122" name="右大括号 4121"/>
+          <p:cNvSpPr/>
+          <p:nvPr/>
+        </p:nvSpPr>
+        <p:spPr>
+          <a:xfrm rot="19244898">
+            <a:off x="5588464" y="2041774"/>
+            <a:ext cx="403848" cy="478929"/>
+          </a:xfrm>
+          <a:prstGeom prst="rightBrace">
+            <a:avLst/>
+          </a:prstGeom>
+        </p:spPr>
+        <p:style>
+          <a:lnRef idx="1">
+            <a:schemeClr val="accent1"/>
+          </a:lnRef>
+          <a:fillRef idx="0">
+            <a:schemeClr val="accent1"/>
+          </a:fillRef>
+          <a:effectRef idx="0">
+            <a:schemeClr val="accent1"/>
+          </a:effectRef>
+          <a:fontRef idx="minor">
+            <a:schemeClr val="tx1"/>
+          </a:fontRef>
+        </p:style>
+        <p:txBody>
+          <a:bodyPr rtlCol="0" anchor="ctr"/>
+          <a:lstStyle/>
+          <a:p>
+            <a:pPr algn="ctr"/>
+            <a:endParaRPr lang="zh-CN" altLang="en-US"/>
+          </a:p>
+        </p:txBody>
+      </p:sp>
+      <p:graphicFrame>
+        <p:nvGraphicFramePr>
+          <p:cNvPr id="4123" name="对象 4122"/>
+          <p:cNvGraphicFramePr>
+            <a:graphicFrameLocks noChangeAspect="1"/>
+          </p:cNvGraphicFramePr>
+          <p:nvPr>
+            <p:extLst>
+              <p:ext uri="{D42A27DB-BD31-4B8C-83A1-F6EECF244321}">
+                <p14:modId xmlns:p14="http://schemas.microsoft.com/office/powerpoint/2010/main" val="1883890699"/>
+              </p:ext>
+            </p:extLst>
+          </p:nvPr>
+        </p:nvGraphicFramePr>
+        <p:xfrm>
+          <a:off x="5761788" y="1701584"/>
+          <a:ext cx="1055340" cy="359264"/>
+        </p:xfrm>
+        <a:graphic>
+          <a:graphicData uri="http://schemas.openxmlformats.org/presentationml/2006/ole">
+            <mc:AlternateContent xmlns:mc="http://schemas.openxmlformats.org/markup-compatibility/2006">
+              <mc:Choice xmlns:v="urn:schemas-microsoft-com:vml" Requires="v">
+                <p:oleObj spid="_x0000_s5123" name="Equation" r:id="rId3" imgW="596880" imgH="203040" progId="Equation.DSMT4">
+                  <p:embed/>
+                </p:oleObj>
+              </mc:Choice>
+              <mc:Fallback>
+                <p:oleObj name="Equation" r:id="rId3" imgW="596880" imgH="203040" progId="Equation.DSMT4">
+                  <p:embed/>
+                  <p:pic>
+                    <p:nvPicPr>
+                      <p:cNvPr id="0" name=""/>
+                      <p:cNvPicPr/>
+                      <p:nvPr/>
+                    </p:nvPicPr>
+                    <p:blipFill>
+                      <a:blip r:embed="rId4"/>
+                      <a:stretch>
+                        <a:fillRect/>
+                      </a:stretch>
+                    </p:blipFill>
+                    <p:spPr>
+                      <a:xfrm>
+                        <a:off x="5761788" y="1701584"/>
+                        <a:ext cx="1055340" cy="359264"/>
+                      </a:xfrm>
+                      <a:prstGeom prst="rect">
+                        <a:avLst/>
+                      </a:prstGeom>
+                    </p:spPr>
+                  </p:pic>
+                </p:oleObj>
+              </mc:Fallback>
+            </mc:AlternateContent>
+          </a:graphicData>
+        </a:graphic>
+      </p:graphicFrame>
+    </p:spTree>
+    <p:extLst>
+      <p:ext uri="{BB962C8B-B14F-4D97-AF65-F5344CB8AC3E}">
+        <p14:creationId xmlns:p14="http://schemas.microsoft.com/office/powerpoint/2010/main" val="1527994369"/>
       </p:ext>
     </p:extLst>
   </p:cSld>
@@ -5153,7 +5640,7 @@
           <a:graphicData uri="http://schemas.openxmlformats.org/presentationml/2006/ole">
             <mc:AlternateContent xmlns:mc="http://schemas.openxmlformats.org/markup-compatibility/2006">
               <mc:Choice xmlns:v="urn:schemas-microsoft-com:vml" Requires="v">
-                <p:oleObj spid="_x0000_s1074" name="Equation" r:id="rId3" imgW="1650960" imgH="711000" progId="Equation.DSMT4">
+                <p:oleObj spid="_x0000_s1086" name="Equation" r:id="rId3" imgW="1650960" imgH="711000" progId="Equation.DSMT4">
                   <p:embed/>
                 </p:oleObj>
               </mc:Choice>
@@ -5214,7 +5701,7 @@
           <a:graphicData uri="http://schemas.openxmlformats.org/presentationml/2006/ole">
             <mc:AlternateContent xmlns:mc="http://schemas.openxmlformats.org/markup-compatibility/2006">
               <mc:Choice xmlns:v="urn:schemas-microsoft-com:vml" Requires="v">
-                <p:oleObj spid="_x0000_s1075" name="Equation" r:id="rId5" imgW="927000" imgH="711000" progId="Equation.DSMT4">
+                <p:oleObj spid="_x0000_s1087" name="Equation" r:id="rId5" imgW="927000" imgH="711000" progId="Equation.DSMT4">
                   <p:embed/>
                 </p:oleObj>
               </mc:Choice>
@@ -5278,7 +5765,7 @@
           <a:graphicData uri="http://schemas.openxmlformats.org/presentationml/2006/ole">
             <mc:AlternateContent xmlns:mc="http://schemas.openxmlformats.org/markup-compatibility/2006">
               <mc:Choice xmlns:v="urn:schemas-microsoft-com:vml" Requires="v">
-                <p:oleObj spid="_x0000_s1076" name="Equation" r:id="rId7" imgW="863280" imgH="711000" progId="Equation.DSMT4">
+                <p:oleObj spid="_x0000_s1088" name="Equation" r:id="rId7" imgW="863280" imgH="711000" progId="Equation.DSMT4">
                   <p:embed/>
                 </p:oleObj>
               </mc:Choice>
@@ -5361,7 +5848,7 @@
           <a:graphicData uri="http://schemas.openxmlformats.org/presentationml/2006/ole">
             <mc:AlternateContent xmlns:mc="http://schemas.openxmlformats.org/markup-compatibility/2006">
               <mc:Choice xmlns:v="urn:schemas-microsoft-com:vml" Requires="v">
-                <p:oleObj spid="_x0000_s1077" name="Equation" r:id="rId9" imgW="927000" imgH="711000" progId="Equation.DSMT4">
+                <p:oleObj spid="_x0000_s1089" name="Equation" r:id="rId9" imgW="927000" imgH="711000" progId="Equation.DSMT4">
                   <p:embed/>
                 </p:oleObj>
               </mc:Choice>
@@ -6193,7 +6680,7 @@
           <a:graphicData uri="http://schemas.openxmlformats.org/presentationml/2006/ole">
             <mc:AlternateContent xmlns:mc="http://schemas.openxmlformats.org/markup-compatibility/2006">
               <mc:Choice xmlns:v="urn:schemas-microsoft-com:vml" Requires="v">
-                <p:oleObj spid="_x0000_s2128" name="Equation" r:id="rId3" imgW="203040" imgH="228600" progId="Equation.DSMT4">
+                <p:oleObj spid="_x0000_s2149" name="Equation" r:id="rId3" imgW="203040" imgH="228600" progId="Equation.DSMT4">
                   <p:embed/>
                 </p:oleObj>
               </mc:Choice>
@@ -6276,7 +6763,7 @@
           <a:graphicData uri="http://schemas.openxmlformats.org/presentationml/2006/ole">
             <mc:AlternateContent xmlns:mc="http://schemas.openxmlformats.org/markup-compatibility/2006">
               <mc:Choice xmlns:v="urn:schemas-microsoft-com:vml" Requires="v">
-                <p:oleObj spid="_x0000_s2129" name="Equation" r:id="rId5" imgW="190440" imgH="228600" progId="Equation.DSMT4">
+                <p:oleObj spid="_x0000_s2150" name="Equation" r:id="rId5" imgW="190440" imgH="228600" progId="Equation.DSMT4">
                   <p:embed/>
                 </p:oleObj>
               </mc:Choice>
@@ -6359,7 +6846,7 @@
           <a:graphicData uri="http://schemas.openxmlformats.org/presentationml/2006/ole">
             <mc:AlternateContent xmlns:mc="http://schemas.openxmlformats.org/markup-compatibility/2006">
               <mc:Choice xmlns:v="urn:schemas-microsoft-com:vml" Requires="v">
-                <p:oleObj spid="_x0000_s2130" name="Equation" r:id="rId7" imgW="190440" imgH="228600" progId="Equation.DSMT4">
+                <p:oleObj spid="_x0000_s2151" name="Equation" r:id="rId7" imgW="190440" imgH="228600" progId="Equation.DSMT4">
                   <p:embed/>
                 </p:oleObj>
               </mc:Choice>
@@ -6442,7 +6929,7 @@
           <a:graphicData uri="http://schemas.openxmlformats.org/presentationml/2006/ole">
             <mc:AlternateContent xmlns:mc="http://schemas.openxmlformats.org/markup-compatibility/2006">
               <mc:Choice xmlns:v="urn:schemas-microsoft-com:vml" Requires="v">
-                <p:oleObj spid="_x0000_s2131" name="Equation" r:id="rId9" imgW="190440" imgH="228600" progId="Equation.DSMT4">
+                <p:oleObj spid="_x0000_s2152" name="Equation" r:id="rId9" imgW="190440" imgH="228600" progId="Equation.DSMT4">
                   <p:embed/>
                 </p:oleObj>
               </mc:Choice>
@@ -6525,7 +7012,7 @@
           <a:graphicData uri="http://schemas.openxmlformats.org/presentationml/2006/ole">
             <mc:AlternateContent xmlns:mc="http://schemas.openxmlformats.org/markup-compatibility/2006">
               <mc:Choice xmlns:v="urn:schemas-microsoft-com:vml" Requires="v">
-                <p:oleObj spid="_x0000_s2132" name="Equation" r:id="rId11" imgW="520560" imgH="253800" progId="Equation.DSMT4">
+                <p:oleObj spid="_x0000_s2153" name="Equation" r:id="rId11" imgW="520560" imgH="253800" progId="Equation.DSMT4">
                   <p:embed/>
                 </p:oleObj>
               </mc:Choice>
@@ -6704,7 +7191,7 @@
           <a:graphicData uri="http://schemas.openxmlformats.org/presentationml/2006/ole">
             <mc:AlternateContent xmlns:mc="http://schemas.openxmlformats.org/markup-compatibility/2006">
               <mc:Choice xmlns:v="urn:schemas-microsoft-com:vml" Requires="v">
-                <p:oleObj spid="_x0000_s2133" name="Equation" r:id="rId13" imgW="203040" imgH="177480" progId="Equation.DSMT4">
+                <p:oleObj spid="_x0000_s2154" name="Equation" r:id="rId13" imgW="203040" imgH="177480" progId="Equation.DSMT4">
                   <p:embed/>
                 </p:oleObj>
               </mc:Choice>
@@ -6787,7 +7274,7 @@
           <a:graphicData uri="http://schemas.openxmlformats.org/presentationml/2006/ole">
             <mc:AlternateContent xmlns:mc="http://schemas.openxmlformats.org/markup-compatibility/2006">
               <mc:Choice xmlns:v="urn:schemas-microsoft-com:vml" Requires="v">
-                <p:oleObj spid="_x0000_s2134" name="Equation" r:id="rId15" imgW="215640" imgH="177480" progId="Equation.DSMT4">
+                <p:oleObj spid="_x0000_s2155" name="Equation" r:id="rId15" imgW="215640" imgH="177480" progId="Equation.DSMT4">
                   <p:embed/>
                 </p:oleObj>
               </mc:Choice>
@@ -8505,7 +8992,7 @@
           <a:graphicData uri="http://schemas.openxmlformats.org/presentationml/2006/ole">
             <mc:AlternateContent xmlns:mc="http://schemas.openxmlformats.org/markup-compatibility/2006">
               <mc:Choice xmlns:v="urn:schemas-microsoft-com:vml" Requires="v">
-                <p:oleObj spid="_x0000_s3080" name="Equation" r:id="rId3" imgW="622080" imgH="253800" progId="Equation.DSMT4">
+                <p:oleObj spid="_x0000_s3083" name="Equation" r:id="rId3" imgW="622080" imgH="253800" progId="Equation.DSMT4">
                   <p:embed/>
                 </p:oleObj>
               </mc:Choice>
@@ -8939,65 +9426,6 @@
           <a:p>
             <a:pPr algn="ctr"/>
             <a:endParaRPr lang="zh-CN" altLang="en-US"/>
-          </a:p>
-        </p:txBody>
-      </p:sp>
-      <p:sp>
-        <p:nvSpPr>
-          <p:cNvPr id="26" name="矩形 25"/>
-          <p:cNvSpPr/>
-          <p:nvPr/>
-        </p:nvSpPr>
-        <p:spPr>
-          <a:xfrm>
-            <a:off x="2286000" y="1859340"/>
-            <a:ext cx="4572000" cy="3139321"/>
-          </a:xfrm>
-          <a:prstGeom prst="rect">
-            <a:avLst/>
-          </a:prstGeom>
-        </p:spPr>
-        <p:txBody>
-          <a:bodyPr>
-            <a:spAutoFit/>
-          </a:bodyPr>
-          <a:lstStyle/>
-          <a:p>
-            <a:r>
-              <a:rPr lang="en-US" altLang="zh-CN" dirty="0"/>
-              <a:t>[131  75  20 167 121 152 129  74  88  71  54 178 244 106 107  54  48  74</a:t>
-            </a:r>
-          </a:p>
-          <a:p>
-            <a:r>
-              <a:rPr lang="en-US" altLang="zh-CN" dirty="0"/>
-              <a:t>  74  56 103 129 251 167 134  81  70 138  53  39  99  60 184  95  78 114</a:t>
-            </a:r>
-          </a:p>
-          <a:p>
-            <a:r>
-              <a:rPr lang="en-US" altLang="zh-CN" dirty="0"/>
-              <a:t>   9  80  15   6  33  68 135  82  85 124   9  32  44  43  48  46 105 102</a:t>
-            </a:r>
-          </a:p>
-          <a:p>
-            <a:r>
-              <a:rPr lang="en-US" altLang="zh-CN" dirty="0"/>
-              <a:t>  33 216  17  34 110  83 190 195 216 232  90 104  37  36 238 239 173 198</a:t>
-            </a:r>
-          </a:p>
-          <a:p>
-            <a:r>
-              <a:rPr lang="en-US" altLang="zh-CN" dirty="0"/>
-              <a:t> 205 208  32   8 109 149 199 189 195 213 211 199 180 159 137  55 211 192</a:t>
-            </a:r>
-          </a:p>
-          <a:p>
-            <a:r>
-              <a:rPr lang="en-US" altLang="zh-CN" dirty="0"/>
-              <a:t> 179 219 210 186 215 214 177 208 184 198]</a:t>
-            </a:r>
-            <a:endParaRPr lang="zh-CN" altLang="en-US" dirty="0"/>
           </a:p>
         </p:txBody>
       </p:sp>
